--- a/Presentation1.pptx
+++ b/Presentation1.pptx
@@ -8,6 +8,7 @@
     <p:sldId id="256" r:id="rId2"/>
     <p:sldId id="257" r:id="rId3"/>
     <p:sldId id="258" r:id="rId4"/>
+    <p:sldId id="259" r:id="rId5"/>
   </p:sldIdLst>
   <p:sldSz cx="6858000" cy="12192000"/>
   <p:notesSz cx="6858000" cy="9144000"/>
@@ -4604,6 +4605,634 @@
 </p:sld>
 </file>
 
+<file path=ppt/slides/slide4.xml><?xml version="1.0" encoding="utf-8"?>
+<p:sld xmlns:a="http://schemas.openxmlformats.org/drawingml/2006/main" xmlns:r="http://schemas.openxmlformats.org/officeDocument/2006/relationships" xmlns:p="http://schemas.openxmlformats.org/presentationml/2006/main">
+  <p:cSld>
+    <p:spTree>
+      <p:nvGrpSpPr>
+        <p:cNvPr id="1" name=""/>
+        <p:cNvGrpSpPr/>
+        <p:nvPr/>
+      </p:nvGrpSpPr>
+      <p:grpSpPr>
+        <a:xfrm>
+          <a:off x="0" y="0"/>
+          <a:ext cx="0" cy="0"/>
+          <a:chOff x="0" y="0"/>
+          <a:chExt cx="0" cy="0"/>
+        </a:xfrm>
+      </p:grpSpPr>
+      <p:sp>
+        <p:nvSpPr>
+          <p:cNvPr id="2" name="Title 1"/>
+          <p:cNvSpPr>
+            <a:spLocks noGrp="1"/>
+          </p:cNvSpPr>
+          <p:nvPr>
+            <p:ph type="title"/>
+          </p:nvPr>
+        </p:nvSpPr>
+        <p:spPr>
+          <a:xfrm>
+            <a:off x="861397" y="295169"/>
+            <a:ext cx="5400675" cy="1199535"/>
+          </a:xfrm>
+        </p:spPr>
+        <p:txBody>
+          <a:bodyPr>
+            <a:normAutofit/>
+          </a:bodyPr>
+          <a:lstStyle/>
+          <a:p>
+            <a:pPr algn="ctr"/>
+            <a:r>
+              <a:rPr lang="en-US" sz="7200" dirty="0" err="1"/>
+              <a:t>Hackerman</a:t>
+            </a:r>
+            <a:endParaRPr lang="en-US" sz="7200" dirty="0"/>
+          </a:p>
+        </p:txBody>
+      </p:sp>
+      <p:sp>
+        <p:nvSpPr>
+          <p:cNvPr id="3" name="TextBox 2"/>
+          <p:cNvSpPr txBox="1"/>
+          <p:nvPr/>
+        </p:nvSpPr>
+        <p:spPr>
+          <a:xfrm>
+            <a:off x="1401096" y="1494704"/>
+            <a:ext cx="4527755" cy="4339650"/>
+          </a:xfrm>
+          <a:prstGeom prst="rect">
+            <a:avLst/>
+          </a:prstGeom>
+          <a:noFill/>
+        </p:spPr>
+        <p:txBody>
+          <a:bodyPr wrap="square" rtlCol="0">
+            <a:spAutoFit/>
+          </a:bodyPr>
+          <a:lstStyle/>
+          <a:p>
+            <a:pPr algn="ctr"/>
+            <a:r>
+              <a:rPr lang="en-US" sz="2400" dirty="0"/>
+              <a:t>Machine Object</a:t>
+            </a:r>
+            <a:endParaRPr lang="en-US" dirty="0"/>
+          </a:p>
+          <a:p>
+            <a:r>
+              <a:rPr lang="en-US" dirty="0"/>
+              <a:t>(define (machine </a:t>
+            </a:r>
+            <a:r>
+              <a:rPr lang="en-US" dirty="0" err="1"/>
+              <a:t>ip</a:t>
+            </a:r>
+            <a:r>
+              <a:rPr lang="en-US" dirty="0"/>
+              <a:t> ports protocols)</a:t>
+            </a:r>
+          </a:p>
+          <a:p>
+            <a:r>
+              <a:rPr lang="en-US" dirty="0"/>
+              <a:t>   (define open-</a:t>
+            </a:r>
+            <a:r>
+              <a:rPr lang="en-US" dirty="0" err="1"/>
+              <a:t>tcp</a:t>
+            </a:r>
+            <a:r>
+              <a:rPr lang="en-US" dirty="0"/>
+              <a:t> '())</a:t>
+            </a:r>
+          </a:p>
+          <a:p>
+            <a:r>
+              <a:rPr lang="en-US" dirty="0"/>
+              <a:t>   (define open-</a:t>
+            </a:r>
+            <a:r>
+              <a:rPr lang="en-US" dirty="0" err="1"/>
+              <a:t>udp</a:t>
+            </a:r>
+            <a:r>
+              <a:rPr lang="en-US" dirty="0"/>
+              <a:t> '())</a:t>
+            </a:r>
+          </a:p>
+          <a:p>
+            <a:r>
+              <a:rPr lang="en-US" dirty="0"/>
+              <a:t>   (define </a:t>
+            </a:r>
+            <a:r>
+              <a:rPr lang="en-US" dirty="0" err="1"/>
+              <a:t>udp</a:t>
+            </a:r>
+            <a:r>
+              <a:rPr lang="en-US" dirty="0"/>
+              <a:t>-socket (</a:t>
+            </a:r>
+            <a:r>
+              <a:rPr lang="en-US" dirty="0" err="1"/>
+              <a:t>udp</a:t>
+            </a:r>
+            <a:r>
+              <a:rPr lang="en-US" dirty="0"/>
+              <a:t>-open-socket) )</a:t>
+            </a:r>
+          </a:p>
+          <a:p>
+            <a:r>
+              <a:rPr lang="en-US" dirty="0"/>
+              <a:t>   (define </a:t>
+            </a:r>
+            <a:r>
+              <a:rPr lang="en-US" dirty="0" err="1"/>
+              <a:t>msg</a:t>
+            </a:r>
+            <a:r>
+              <a:rPr lang="en-US" dirty="0"/>
+              <a:t> (make-bytes 100) )</a:t>
+            </a:r>
+          </a:p>
+          <a:p>
+            <a:r>
+              <a:rPr lang="en-US" dirty="0"/>
+              <a:t>   (define (add-</a:t>
+            </a:r>
+            <a:r>
+              <a:rPr lang="en-US" dirty="0" err="1"/>
+              <a:t>udp</a:t>
+            </a:r>
+            <a:r>
+              <a:rPr lang="en-US" dirty="0"/>
+              <a:t> port)</a:t>
+            </a:r>
+          </a:p>
+          <a:p>
+            <a:r>
+              <a:rPr lang="en-US" dirty="0"/>
+              <a:t>    	(set! open-</a:t>
+            </a:r>
+            <a:r>
+              <a:rPr lang="en-US" dirty="0" err="1"/>
+              <a:t>udp</a:t>
+            </a:r>
+            <a:r>
+              <a:rPr lang="en-US" dirty="0"/>
+              <a:t> (cons port open-</a:t>
+            </a:r>
+            <a:r>
+              <a:rPr lang="en-US" dirty="0" err="1"/>
+              <a:t>udp</a:t>
+            </a:r>
+            <a:r>
+              <a:rPr lang="en-US" dirty="0"/>
+              <a:t>)))</a:t>
+            </a:r>
+          </a:p>
+          <a:p>
+            <a:r>
+              <a:rPr lang="en-US" dirty="0"/>
+              <a:t>   (define (add-</a:t>
+            </a:r>
+            <a:r>
+              <a:rPr lang="en-US" dirty="0" err="1"/>
+              <a:t>tcp</a:t>
+            </a:r>
+            <a:r>
+              <a:rPr lang="en-US" dirty="0"/>
+              <a:t> port)</a:t>
+            </a:r>
+          </a:p>
+          <a:p>
+            <a:r>
+              <a:rPr lang="en-US" dirty="0"/>
+              <a:t>        (set! open-</a:t>
+            </a:r>
+            <a:r>
+              <a:rPr lang="en-US" dirty="0" err="1"/>
+              <a:t>tcp</a:t>
+            </a:r>
+            <a:r>
+              <a:rPr lang="en-US" dirty="0"/>
+              <a:t> (cons port open-</a:t>
+            </a:r>
+            <a:r>
+              <a:rPr lang="en-US" dirty="0" err="1"/>
+              <a:t>tcp</a:t>
+            </a:r>
+            <a:r>
+              <a:rPr lang="en-US" dirty="0"/>
+              <a:t>)))</a:t>
+            </a:r>
+          </a:p>
+          <a:p>
+            <a:r>
+              <a:rPr lang="en-US" dirty="0"/>
+              <a:t>   (define (check-</a:t>
+            </a:r>
+            <a:r>
+              <a:rPr lang="en-US" dirty="0" err="1"/>
+              <a:t>uport</a:t>
+            </a:r>
+            <a:r>
+              <a:rPr lang="en-US" dirty="0"/>
+              <a:t> port)</a:t>
+            </a:r>
+          </a:p>
+          <a:p>
+            <a:r>
+              <a:rPr lang="en-US" dirty="0"/>
+              <a:t>        (if (</a:t>
+            </a:r>
+            <a:r>
+              <a:rPr lang="en-US" dirty="0" err="1"/>
+              <a:t>memq</a:t>
+            </a:r>
+            <a:r>
+              <a:rPr lang="en-US" dirty="0"/>
+              <a:t> port open-</a:t>
+            </a:r>
+            <a:r>
+              <a:rPr lang="en-US" dirty="0" err="1"/>
+              <a:t>udp</a:t>
+            </a:r>
+            <a:r>
+              <a:rPr lang="en-US" dirty="0"/>
+              <a:t>) #t #f))</a:t>
+            </a:r>
+          </a:p>
+          <a:p>
+            <a:r>
+              <a:rPr lang="en-US" dirty="0"/>
+              <a:t>   (define (check-</a:t>
+            </a:r>
+            <a:r>
+              <a:rPr lang="en-US" dirty="0" err="1"/>
+              <a:t>tport</a:t>
+            </a:r>
+            <a:r>
+              <a:rPr lang="en-US" dirty="0"/>
+              <a:t> port)</a:t>
+            </a:r>
+          </a:p>
+          <a:p>
+            <a:r>
+              <a:rPr lang="en-US" dirty="0"/>
+              <a:t>        (if (</a:t>
+            </a:r>
+            <a:r>
+              <a:rPr lang="en-US" dirty="0" err="1"/>
+              <a:t>memq</a:t>
+            </a:r>
+            <a:r>
+              <a:rPr lang="en-US" dirty="0"/>
+              <a:t> (string-&gt;number port) open-           	                    </a:t>
+            </a:r>
+            <a:r>
+              <a:rPr lang="en-US" dirty="0" err="1"/>
+              <a:t>tcp</a:t>
+            </a:r>
+            <a:r>
+              <a:rPr lang="en-US" dirty="0"/>
+              <a:t>) #t #f))</a:t>
+            </a:r>
+            <a:endParaRPr lang="en-US" dirty="0"/>
+          </a:p>
+        </p:txBody>
+      </p:sp>
+      <p:sp>
+        <p:nvSpPr>
+          <p:cNvPr id="4" name="TextBox 3"/>
+          <p:cNvSpPr txBox="1"/>
+          <p:nvPr/>
+        </p:nvSpPr>
+        <p:spPr>
+          <a:xfrm>
+            <a:off x="1504334" y="6111352"/>
+            <a:ext cx="4321278" cy="5724644"/>
+          </a:xfrm>
+          <a:prstGeom prst="rect">
+            <a:avLst/>
+          </a:prstGeom>
+          <a:noFill/>
+        </p:spPr>
+        <p:txBody>
+          <a:bodyPr wrap="square" rtlCol="0">
+            <a:spAutoFit/>
+          </a:bodyPr>
+          <a:lstStyle/>
+          <a:p>
+            <a:pPr algn="ctr"/>
+            <a:r>
+              <a:rPr lang="en-US" sz="2400" dirty="0"/>
+              <a:t>Dispatch</a:t>
+            </a:r>
+          </a:p>
+          <a:p>
+            <a:r>
+              <a:rPr lang="en-US" dirty="0"/>
+              <a:t>(define (dispatch message)</a:t>
+            </a:r>
+          </a:p>
+          <a:p>
+            <a:r>
+              <a:rPr lang="en-US" dirty="0"/>
+              <a:t>    (</a:t>
+            </a:r>
+            <a:r>
+              <a:rPr lang="en-US" dirty="0" err="1"/>
+              <a:t>cond</a:t>
+            </a:r>
+            <a:r>
+              <a:rPr lang="en-US" dirty="0"/>
+              <a:t>((</a:t>
+            </a:r>
+            <a:r>
+              <a:rPr lang="en-US" dirty="0" err="1"/>
+              <a:t>eq</a:t>
+            </a:r>
+            <a:r>
+              <a:rPr lang="en-US" dirty="0"/>
+              <a:t>? (car message) '</a:t>
+            </a:r>
+            <a:r>
+              <a:rPr lang="en-US" dirty="0" err="1"/>
+              <a:t>tports</a:t>
+            </a:r>
+            <a:r>
+              <a:rPr lang="en-US" dirty="0"/>
+              <a:t>) 		  		(match-ports open-</a:t>
+            </a:r>
+            <a:r>
+              <a:rPr lang="en-US" dirty="0" err="1"/>
+              <a:t>tcp</a:t>
+            </a:r>
+            <a:r>
+              <a:rPr lang="en-US" dirty="0"/>
+              <a:t>))</a:t>
+            </a:r>
+          </a:p>
+          <a:p>
+            <a:r>
+              <a:rPr lang="en-US" dirty="0"/>
+              <a:t>         ((</a:t>
+            </a:r>
+            <a:r>
+              <a:rPr lang="en-US" dirty="0" err="1"/>
+              <a:t>eq</a:t>
+            </a:r>
+            <a:r>
+              <a:rPr lang="en-US" dirty="0"/>
+              <a:t>? (car message) '</a:t>
+            </a:r>
+            <a:r>
+              <a:rPr lang="en-US" dirty="0" err="1"/>
+              <a:t>dtports</a:t>
+            </a:r>
+            <a:r>
+              <a:rPr lang="en-US" dirty="0"/>
+              <a:t>) open-</a:t>
+            </a:r>
+            <a:r>
+              <a:rPr lang="en-US" dirty="0" err="1"/>
+              <a:t>tcp</a:t>
+            </a:r>
+            <a:r>
+              <a:rPr lang="en-US" dirty="0"/>
+              <a:t>)</a:t>
+            </a:r>
+          </a:p>
+          <a:p>
+            <a:r>
+              <a:rPr lang="en-US" dirty="0"/>
+              <a:t>         ((</a:t>
+            </a:r>
+            <a:r>
+              <a:rPr lang="en-US" dirty="0" err="1"/>
+              <a:t>eq</a:t>
+            </a:r>
+            <a:r>
+              <a:rPr lang="en-US" dirty="0"/>
+              <a:t>? (car message) '</a:t>
+            </a:r>
+            <a:r>
+              <a:rPr lang="en-US" dirty="0" err="1"/>
+              <a:t>uports</a:t>
+            </a:r>
+            <a:r>
+              <a:rPr lang="en-US" dirty="0"/>
+              <a:t>) open-</a:t>
+            </a:r>
+            <a:r>
+              <a:rPr lang="en-US" dirty="0" err="1"/>
+              <a:t>udp</a:t>
+            </a:r>
+            <a:r>
+              <a:rPr lang="en-US" dirty="0"/>
+              <a:t>)</a:t>
+            </a:r>
+          </a:p>
+          <a:p>
+            <a:r>
+              <a:rPr lang="en-US" dirty="0"/>
+              <a:t>         ((</a:t>
+            </a:r>
+            <a:r>
+              <a:rPr lang="en-US" dirty="0" err="1"/>
+              <a:t>eq</a:t>
+            </a:r>
+            <a:r>
+              <a:rPr lang="en-US" dirty="0"/>
+              <a:t>? (car message) '</a:t>
+            </a:r>
+            <a:r>
+              <a:rPr lang="en-US" dirty="0" err="1"/>
+              <a:t>ip</a:t>
+            </a:r>
+            <a:r>
+              <a:rPr lang="en-US" dirty="0"/>
+              <a:t>) </a:t>
+            </a:r>
+            <a:r>
+              <a:rPr lang="en-US" dirty="0" err="1"/>
+              <a:t>ip</a:t>
+            </a:r>
+            <a:r>
+              <a:rPr lang="en-US" dirty="0"/>
+              <a:t>)</a:t>
+            </a:r>
+          </a:p>
+          <a:p>
+            <a:r>
+              <a:rPr lang="en-US" dirty="0"/>
+              <a:t>         ((</a:t>
+            </a:r>
+            <a:r>
+              <a:rPr lang="en-US" dirty="0" err="1"/>
+              <a:t>eq</a:t>
+            </a:r>
+            <a:r>
+              <a:rPr lang="en-US" dirty="0"/>
+              <a:t>? (car message) '</a:t>
+            </a:r>
+            <a:r>
+              <a:rPr lang="en-US" dirty="0" err="1"/>
+              <a:t>tport</a:t>
+            </a:r>
+            <a:r>
+              <a:rPr lang="en-US" dirty="0"/>
+              <a:t>) (check-</a:t>
+            </a:r>
+            <a:r>
+              <a:rPr lang="en-US" dirty="0" err="1"/>
+              <a:t>tport</a:t>
+            </a:r>
+            <a:r>
+              <a:rPr lang="en-US" dirty="0"/>
+              <a:t> (</a:t>
+            </a:r>
+            <a:r>
+              <a:rPr lang="en-US" dirty="0" err="1"/>
+              <a:t>cadr</a:t>
+            </a:r>
+            <a:r>
+              <a:rPr lang="en-US" dirty="0"/>
+              <a:t> message)) )</a:t>
+            </a:r>
+          </a:p>
+          <a:p>
+            <a:r>
+              <a:rPr lang="en-US" dirty="0"/>
+              <a:t>         ((</a:t>
+            </a:r>
+            <a:r>
+              <a:rPr lang="en-US" dirty="0" err="1"/>
+              <a:t>eq</a:t>
+            </a:r>
+            <a:r>
+              <a:rPr lang="en-US" dirty="0"/>
+              <a:t>? (car message) '</a:t>
+            </a:r>
+            <a:r>
+              <a:rPr lang="en-US" dirty="0" err="1"/>
+              <a:t>uport</a:t>
+            </a:r>
+            <a:r>
+              <a:rPr lang="en-US" dirty="0"/>
+              <a:t>) (check-</a:t>
+            </a:r>
+            <a:r>
+              <a:rPr lang="en-US" dirty="0" err="1"/>
+              <a:t>uport</a:t>
+            </a:r>
+            <a:r>
+              <a:rPr lang="en-US" dirty="0"/>
+              <a:t> (</a:t>
+            </a:r>
+            <a:r>
+              <a:rPr lang="en-US" dirty="0" err="1"/>
+              <a:t>cadr</a:t>
+            </a:r>
+            <a:r>
+              <a:rPr lang="en-US" dirty="0"/>
+              <a:t> message)) )</a:t>
+            </a:r>
+          </a:p>
+          <a:p>
+            <a:r>
+              <a:rPr lang="en-US" dirty="0"/>
+              <a:t>         (else error "Bad moves, dude")))</a:t>
+            </a:r>
+          </a:p>
+          <a:p>
+            <a:r>
+              <a:rPr lang="en-US" dirty="0"/>
+              <a:t>  (begin (</a:t>
+            </a:r>
+            <a:r>
+              <a:rPr lang="en-US" dirty="0" err="1"/>
+              <a:t>udp</a:t>
+            </a:r>
+            <a:r>
+              <a:rPr lang="en-US" dirty="0"/>
+              <a:t>-bind! </a:t>
+            </a:r>
+            <a:r>
+              <a:rPr lang="en-US" dirty="0" err="1"/>
+              <a:t>udp</a:t>
+            </a:r>
+            <a:r>
+              <a:rPr lang="en-US" dirty="0"/>
+              <a:t>-socket "127.0.0.1" 0)</a:t>
+            </a:r>
+          </a:p>
+          <a:p>
+            <a:r>
+              <a:rPr lang="en-US" dirty="0"/>
+              <a:t>         (map (lambda (x) (probe-</a:t>
+            </a:r>
+            <a:r>
+              <a:rPr lang="en-US" dirty="0" err="1"/>
+              <a:t>tcp</a:t>
+            </a:r>
+            <a:r>
+              <a:rPr lang="en-US" dirty="0"/>
+              <a:t> x)) (</a:t>
+            </a:r>
+            <a:r>
+              <a:rPr lang="en-US" dirty="0" err="1"/>
+              <a:t>enum</a:t>
+            </a:r>
+            <a:r>
+              <a:rPr lang="en-US" dirty="0"/>
+              <a:t>-ports ports))</a:t>
+            </a:r>
+          </a:p>
+          <a:p>
+            <a:r>
+              <a:rPr lang="en-US" dirty="0"/>
+              <a:t>         (map (lambda (x) (probe-</a:t>
+            </a:r>
+            <a:r>
+              <a:rPr lang="en-US" dirty="0" err="1"/>
+              <a:t>udp</a:t>
+            </a:r>
+            <a:r>
+              <a:rPr lang="en-US" dirty="0"/>
+              <a:t> x)) (</a:t>
+            </a:r>
+            <a:r>
+              <a:rPr lang="en-US" dirty="0" err="1"/>
+              <a:t>enum</a:t>
+            </a:r>
+            <a:r>
+              <a:rPr lang="en-US" dirty="0"/>
+              <a:t>-ports ports)) dispatch))</a:t>
+            </a:r>
+            <a:endParaRPr lang="en-US" dirty="0"/>
+          </a:p>
+        </p:txBody>
+      </p:sp>
+    </p:spTree>
+    <p:extLst>
+      <p:ext uri="{BB962C8B-B14F-4D97-AF65-F5344CB8AC3E}">
+        <p14:creationId xmlns:p14="http://schemas.microsoft.com/office/powerpoint/2010/main" val="3370122857"/>
+      </p:ext>
+    </p:extLst>
+  </p:cSld>
+  <p:clrMapOvr>
+    <a:masterClrMapping/>
+  </p:clrMapOvr>
+</p:sld>
+</file>
+
 <file path=ppt/theme/theme1.xml><?xml version="1.0" encoding="utf-8"?>
 <a:theme xmlns:a="http://schemas.openxmlformats.org/drawingml/2006/main" name="Crop">
   <a:themeElements>
